--- a/EFW高負荷対応のTomcat Efw環境構築v0.2.pptx
+++ b/EFW高負荷対応のTomcat Efw環境構築v0.2.pptx
@@ -216,7 +216,7 @@
           <a:p>
             <a:fld id="{29611FB4-7FF2-4F2D-8BCE-0793373968A4}" type="datetimeFigureOut">
               <a:rPr kumimoji="1" lang="ja-JP" altLang="en-US" smtClean="0"/>
-              <a:t>2019/12/16</a:t>
+              <a:t>2019/12/23</a:t>
             </a:fld>
             <a:endParaRPr kumimoji="1" lang="ja-JP" altLang="en-US"/>
           </a:p>
@@ -2951,7 +2951,7 @@
           <a:p>
             <a:fld id="{63D1CD20-8055-49A0-A0CC-4A418A1BD2F7}" type="datetimeFigureOut">
               <a:rPr kumimoji="1" lang="ja-JP" altLang="en-US" smtClean="0"/>
-              <a:t>2019/12/16</a:t>
+              <a:t>2019/12/23</a:t>
             </a:fld>
             <a:endParaRPr kumimoji="1" lang="ja-JP" altLang="en-US"/>
           </a:p>
@@ -3153,7 +3153,7 @@
           <a:p>
             <a:fld id="{63D1CD20-8055-49A0-A0CC-4A418A1BD2F7}" type="datetimeFigureOut">
               <a:rPr kumimoji="1" lang="ja-JP" altLang="en-US" smtClean="0"/>
-              <a:t>2019/12/16</a:t>
+              <a:t>2019/12/23</a:t>
             </a:fld>
             <a:endParaRPr kumimoji="1" lang="ja-JP" altLang="en-US"/>
           </a:p>
@@ -3365,7 +3365,7 @@
           <a:p>
             <a:fld id="{63D1CD20-8055-49A0-A0CC-4A418A1BD2F7}" type="datetimeFigureOut">
               <a:rPr kumimoji="1" lang="ja-JP" altLang="en-US" smtClean="0"/>
-              <a:t>2019/12/16</a:t>
+              <a:t>2019/12/23</a:t>
             </a:fld>
             <a:endParaRPr kumimoji="1" lang="ja-JP" altLang="en-US"/>
           </a:p>
@@ -4068,7 +4068,7 @@
           <a:p>
             <a:fld id="{63D1CD20-8055-49A0-A0CC-4A418A1BD2F7}" type="datetimeFigureOut">
               <a:rPr kumimoji="1" lang="ja-JP" altLang="en-US" smtClean="0"/>
-              <a:t>2019/12/16</a:t>
+              <a:t>2019/12/23</a:t>
             </a:fld>
             <a:endParaRPr kumimoji="1" lang="ja-JP" altLang="en-US"/>
           </a:p>
@@ -4314,7 +4314,7 @@
           <a:p>
             <a:fld id="{63D1CD20-8055-49A0-A0CC-4A418A1BD2F7}" type="datetimeFigureOut">
               <a:rPr kumimoji="1" lang="ja-JP" altLang="en-US" smtClean="0"/>
-              <a:t>2019/12/16</a:t>
+              <a:t>2019/12/23</a:t>
             </a:fld>
             <a:endParaRPr kumimoji="1" lang="ja-JP" altLang="en-US"/>
           </a:p>
@@ -4610,7 +4610,7 @@
           <a:p>
             <a:fld id="{63D1CD20-8055-49A0-A0CC-4A418A1BD2F7}" type="datetimeFigureOut">
               <a:rPr kumimoji="1" lang="ja-JP" altLang="en-US" smtClean="0"/>
-              <a:t>2019/12/16</a:t>
+              <a:t>2019/12/23</a:t>
             </a:fld>
             <a:endParaRPr kumimoji="1" lang="ja-JP" altLang="en-US"/>
           </a:p>
@@ -5041,7 +5041,7 @@
           <a:p>
             <a:fld id="{63D1CD20-8055-49A0-A0CC-4A418A1BD2F7}" type="datetimeFigureOut">
               <a:rPr kumimoji="1" lang="ja-JP" altLang="en-US" smtClean="0"/>
-              <a:t>2019/12/16</a:t>
+              <a:t>2019/12/23</a:t>
             </a:fld>
             <a:endParaRPr kumimoji="1" lang="ja-JP" altLang="en-US"/>
           </a:p>
@@ -5159,7 +5159,7 @@
           <a:p>
             <a:fld id="{63D1CD20-8055-49A0-A0CC-4A418A1BD2F7}" type="datetimeFigureOut">
               <a:rPr kumimoji="1" lang="ja-JP" altLang="en-US" smtClean="0"/>
-              <a:t>2019/12/16</a:t>
+              <a:t>2019/12/23</a:t>
             </a:fld>
             <a:endParaRPr kumimoji="1" lang="ja-JP" altLang="en-US"/>
           </a:p>
@@ -5254,7 +5254,7 @@
           <a:p>
             <a:fld id="{63D1CD20-8055-49A0-A0CC-4A418A1BD2F7}" type="datetimeFigureOut">
               <a:rPr kumimoji="1" lang="ja-JP" altLang="en-US" smtClean="0"/>
-              <a:t>2019/12/16</a:t>
+              <a:t>2019/12/23</a:t>
             </a:fld>
             <a:endParaRPr kumimoji="1" lang="ja-JP" altLang="en-US"/>
           </a:p>
@@ -5563,7 +5563,7 @@
           <a:p>
             <a:fld id="{63D1CD20-8055-49A0-A0CC-4A418A1BD2F7}" type="datetimeFigureOut">
               <a:rPr kumimoji="1" lang="ja-JP" altLang="en-US" smtClean="0"/>
-              <a:t>2019/12/16</a:t>
+              <a:t>2019/12/23</a:t>
             </a:fld>
             <a:endParaRPr kumimoji="1" lang="ja-JP" altLang="en-US"/>
           </a:p>
@@ -5816,7 +5816,7 @@
           <a:p>
             <a:fld id="{63D1CD20-8055-49A0-A0CC-4A418A1BD2F7}" type="datetimeFigureOut">
               <a:rPr kumimoji="1" lang="ja-JP" altLang="en-US" smtClean="0"/>
-              <a:t>2019/12/16</a:t>
+              <a:t>2019/12/23</a:t>
             </a:fld>
             <a:endParaRPr kumimoji="1" lang="ja-JP" altLang="en-US"/>
           </a:p>
@@ -6061,7 +6061,7 @@
           <a:p>
             <a:fld id="{63D1CD20-8055-49A0-A0CC-4A418A1BD2F7}" type="datetimeFigureOut">
               <a:rPr kumimoji="1" lang="ja-JP" altLang="en-US" smtClean="0"/>
-              <a:t>2019/12/16</a:t>
+              <a:t>2019/12/23</a:t>
             </a:fld>
             <a:endParaRPr kumimoji="1" lang="ja-JP" altLang="en-US"/>
           </a:p>
@@ -8512,23 +8512,33 @@
           <a:lstStyle/>
           <a:p>
             <a:r>
+              <a:rPr lang="en-US" altLang="ja-JP" sz="1050" dirty="0" smtClean="0">
+                <a:latin typeface="Meiryo UI" panose="020B0604030504040204" pitchFamily="50" charset="-128"/>
+                <a:ea typeface="Meiryo UI" panose="020B0604030504040204" pitchFamily="50" charset="-128"/>
+                <a:cs typeface="Meiryo UI" panose="020B0604030504040204" pitchFamily="50" charset="-128"/>
+              </a:rPr>
+              <a:t>maxConnettions:1000</a:t>
+            </a:r>
+            <a:endParaRPr lang="en-US" altLang="ja-JP" sz="1050" dirty="0">
+              <a:latin typeface="Meiryo UI" panose="020B0604030504040204" pitchFamily="50" charset="-128"/>
+              <a:ea typeface="Meiryo UI" panose="020B0604030504040204" pitchFamily="50" charset="-128"/>
+              <a:cs typeface="Meiryo UI" panose="020B0604030504040204" pitchFamily="50" charset="-128"/>
+            </a:endParaRPr>
+          </a:p>
+          <a:p>
+            <a:r>
               <a:rPr lang="en-US" altLang="ja-JP" sz="1050" dirty="0">
                 <a:latin typeface="Meiryo UI" panose="020B0604030504040204" pitchFamily="50" charset="-128"/>
                 <a:ea typeface="Meiryo UI" panose="020B0604030504040204" pitchFamily="50" charset="-128"/>
                 <a:cs typeface="Meiryo UI" panose="020B0604030504040204" pitchFamily="50" charset="-128"/>
               </a:rPr>
-              <a:t>MaxConnettion:1000</a:t>
-            </a:r>
-          </a:p>
-          <a:p>
-            <a:r>
-              <a:rPr lang="en-US" altLang="ja-JP" sz="1050" dirty="0" smtClean="0">
-                <a:latin typeface="Meiryo UI" panose="020B0604030504040204" pitchFamily="50" charset="-128"/>
-                <a:ea typeface="Meiryo UI" panose="020B0604030504040204" pitchFamily="50" charset="-128"/>
-                <a:cs typeface="Meiryo UI" panose="020B0604030504040204" pitchFamily="50" charset="-128"/>
-              </a:rPr>
-              <a:t>MaxAccept:100</a:t>
-            </a:r>
+              <a:t>acceptCount:100</a:t>
+            </a:r>
+            <a:endParaRPr lang="en-US" altLang="ja-JP" sz="1050" dirty="0" smtClean="0">
+              <a:latin typeface="Meiryo UI" panose="020B0604030504040204" pitchFamily="50" charset="-128"/>
+              <a:ea typeface="Meiryo UI" panose="020B0604030504040204" pitchFamily="50" charset="-128"/>
+              <a:cs typeface="Meiryo UI" panose="020B0604030504040204" pitchFamily="50" charset="-128"/>
+            </a:endParaRPr>
           </a:p>
           <a:p>
             <a:r>
@@ -8537,7 +8547,7 @@
                 <a:ea typeface="Meiryo UI" panose="020B0604030504040204" pitchFamily="50" charset="-128"/>
                 <a:cs typeface="Meiryo UI" panose="020B0604030504040204" pitchFamily="50" charset="-128"/>
               </a:rPr>
-              <a:t>Maxthreads:Default</a:t>
+              <a:t>maxthreads:Default</a:t>
             </a:r>
             <a:r>
               <a:rPr lang="ja-JP" altLang="en-US" sz="1050" dirty="0" smtClean="0">
@@ -10680,14 +10690,14 @@
           <p:nvPr>
             <p:extLst>
               <p:ext uri="{D42A27DB-BD31-4B8C-83A1-F6EECF244321}">
-                <p14:modId xmlns:p14="http://schemas.microsoft.com/office/powerpoint/2010/main" val="3836892309"/>
+                <p14:modId xmlns:p14="http://schemas.microsoft.com/office/powerpoint/2010/main" val="3869199474"/>
               </p:ext>
             </p:extLst>
           </p:nvPr>
         </p:nvGraphicFramePr>
         <p:xfrm>
           <a:off x="264014" y="1204054"/>
-          <a:ext cx="8628315" cy="3848100"/>
+          <a:ext cx="8628315" cy="3947160"/>
         </p:xfrm>
         <a:graphic>
           <a:graphicData uri="http://schemas.openxmlformats.org/drawingml/2006/table">
@@ -10854,46 +10864,6 @@
                     <a:p>
                       <a:r>
                         <a:rPr kumimoji="1" lang="en-US" altLang="ja-JP" dirty="0" err="1" smtClean="0"/>
-                        <a:t>tcp_max_syn_backlog</a:t>
-                      </a:r>
-                      <a:endParaRPr kumimoji="1" lang="ja-JP" altLang="en-US" dirty="0"/>
-                    </a:p>
-                  </a:txBody>
-                  <a:tcPr/>
-                </a:tc>
-                <a:tc>
-                  <a:txBody>
-                    <a:bodyPr/>
-                    <a:lstStyle/>
-                    <a:p>
-                      <a:endParaRPr kumimoji="1" lang="ja-JP" altLang="en-US" dirty="0"/>
-                    </a:p>
-                  </a:txBody>
-                  <a:tcPr/>
-                </a:tc>
-                <a:tc>
-                  <a:txBody>
-                    <a:bodyPr/>
-                    <a:lstStyle/>
-                    <a:p>
-                      <a:r>
-                        <a:rPr kumimoji="1" lang="ja-JP" altLang="en-US" dirty="0" smtClean="0"/>
-                        <a:t>要確認</a:t>
-                      </a:r>
-                      <a:endParaRPr kumimoji="1" lang="ja-JP" altLang="en-US" dirty="0"/>
-                    </a:p>
-                  </a:txBody>
-                  <a:tcPr/>
-                </a:tc>
-              </a:tr>
-              <a:tr h="370840">
-                <a:tc>
-                  <a:txBody>
-                    <a:bodyPr/>
-                    <a:lstStyle/>
-                    <a:p>
-                      <a:r>
-                        <a:rPr kumimoji="1" lang="en-US" altLang="ja-JP" dirty="0" err="1" smtClean="0"/>
                         <a:t>MaxClients</a:t>
                       </a:r>
                       <a:endParaRPr kumimoji="1" lang="ja-JP" altLang="en-US" dirty="0"/>
@@ -11024,6 +10994,10 @@
                     <a:bodyPr/>
                     <a:lstStyle/>
                     <a:p>
+                      <a:r>
+                        <a:rPr kumimoji="1" lang="en-US" altLang="ja-JP" dirty="0" err="1" smtClean="0"/>
+                        <a:t>MaxConnettion</a:t>
+                      </a:r>
                       <a:endParaRPr kumimoji="1" lang="ja-JP" altLang="en-US" dirty="0"/>
                     </a:p>
                   </a:txBody>
@@ -11034,7 +11008,47 @@
                     <a:bodyPr/>
                     <a:lstStyle/>
                     <a:p>
-                      <a:endParaRPr kumimoji="1" lang="ja-JP" altLang="en-US"/>
+                      <a:r>
+                        <a:rPr kumimoji="1" lang="en-US" altLang="ja-JP" dirty="0" smtClean="0"/>
+                        <a:t>NIO</a:t>
+                      </a:r>
+                      <a:r>
+                        <a:rPr kumimoji="1" lang="ja-JP" altLang="en-US" dirty="0" smtClean="0"/>
+                        <a:t>・・</a:t>
+                      </a:r>
+                      <a:r>
+                        <a:rPr kumimoji="1" lang="en-US" altLang="ja-JP" dirty="0" smtClean="0"/>
+                        <a:t>10000</a:t>
+                      </a:r>
+                    </a:p>
+                    <a:p>
+                      <a:r>
+                        <a:rPr kumimoji="1" lang="en-US" altLang="ja-JP" dirty="0" smtClean="0"/>
+                        <a:t>NIO2</a:t>
+                      </a:r>
+                      <a:r>
+                        <a:rPr kumimoji="1" lang="ja-JP" altLang="en-US" dirty="0" smtClean="0"/>
+                        <a:t>・・</a:t>
+                      </a:r>
+                      <a:r>
+                        <a:rPr kumimoji="1" lang="en-US" altLang="ja-JP" dirty="0" smtClean="0"/>
+                        <a:t>10000</a:t>
+                      </a:r>
+                    </a:p>
+                    <a:p>
+                      <a:r>
+                        <a:rPr kumimoji="1" lang="en-US" altLang="ja-JP" dirty="0" smtClean="0"/>
+                        <a:t>APR/Native</a:t>
+                      </a:r>
+                      <a:r>
+                        <a:rPr kumimoji="1" lang="ja-JP" altLang="en-US" dirty="0" smtClean="0"/>
+                        <a:t>・・</a:t>
+                      </a:r>
+                      <a:r>
+                        <a:rPr kumimoji="1" lang="en-US" altLang="ja-JP" dirty="0" smtClean="0"/>
+                        <a:t>8192</a:t>
+                      </a:r>
+                      <a:endParaRPr kumimoji="1" lang="ja-JP" altLang="en-US" dirty="0"/>
                     </a:p>
                   </a:txBody>
                   <a:tcPr/>
@@ -11044,7 +11058,11 @@
                     <a:bodyPr/>
                     <a:lstStyle/>
                     <a:p>
-                      <a:endParaRPr kumimoji="1" lang="ja-JP" altLang="en-US"/>
+                      <a:r>
+                        <a:rPr kumimoji="1" lang="ja-JP" altLang="en-US" dirty="0" smtClean="0"/>
+                        <a:t>任意の時点でサーバーが受け入れて処理する接続の最大数。</a:t>
+                      </a:r>
+                      <a:endParaRPr kumimoji="1" lang="ja-JP" altLang="en-US" dirty="0"/>
                     </a:p>
                   </a:txBody>
                   <a:tcPr/>
@@ -11056,7 +11074,11 @@
                     <a:bodyPr/>
                     <a:lstStyle/>
                     <a:p>
-                      <a:endParaRPr kumimoji="1" lang="ja-JP" altLang="en-US"/>
+                      <a:r>
+                        <a:rPr kumimoji="1" lang="en-US" altLang="ja-JP" dirty="0" err="1" smtClean="0"/>
+                        <a:t>acceptCount</a:t>
+                      </a:r>
+                      <a:endParaRPr kumimoji="1" lang="ja-JP" altLang="en-US" dirty="0"/>
                     </a:p>
                   </a:txBody>
                   <a:tcPr/>
@@ -11066,7 +11088,11 @@
                     <a:bodyPr/>
                     <a:lstStyle/>
                     <a:p>
-                      <a:endParaRPr kumimoji="1" lang="ja-JP" altLang="en-US"/>
+                      <a:r>
+                        <a:rPr kumimoji="1" lang="en-US" altLang="ja-JP" dirty="0" smtClean="0"/>
+                        <a:t>100</a:t>
+                      </a:r>
+                      <a:endParaRPr kumimoji="1" lang="ja-JP" altLang="en-US" dirty="0"/>
                     </a:p>
                   </a:txBody>
                   <a:tcPr/>
@@ -11076,7 +11102,11 @@
                     <a:bodyPr/>
                     <a:lstStyle/>
                     <a:p>
-                      <a:endParaRPr kumimoji="1" lang="ja-JP" altLang="en-US"/>
+                      <a:r>
+                        <a:rPr kumimoji="1" lang="ja-JP" altLang="en-US" dirty="0" smtClean="0"/>
+                        <a:t>可能なすべてのリクエスト処理スレッドが使用されているときに着信接続要求の最大キュー長。</a:t>
+                      </a:r>
+                      <a:endParaRPr kumimoji="1" lang="ja-JP" altLang="en-US" dirty="0"/>
                     </a:p>
                   </a:txBody>
                   <a:tcPr/>
@@ -11088,6 +11118,10 @@
                     <a:bodyPr/>
                     <a:lstStyle/>
                     <a:p>
+                      <a:r>
+                        <a:rPr kumimoji="1" lang="en-US" altLang="ja-JP" dirty="0" err="1" smtClean="0"/>
+                        <a:t>maxthreads</a:t>
+                      </a:r>
                       <a:endParaRPr kumimoji="1" lang="ja-JP" altLang="en-US" dirty="0"/>
                     </a:p>
                   </a:txBody>
